--- a/Security/Security_Diagram.pptx
+++ b/Security/Security_Diagram.pptx
@@ -5,7 +5,7 @@
     <p:sldMasterId id="2147483699" r:id="rId1"/>
   </p:sldMasterIdLst>
   <p:notesMasterIdLst>
-    <p:notesMasterId r:id="rId12"/>
+    <p:notesMasterId r:id="rId13"/>
   </p:notesMasterIdLst>
   <p:sldIdLst>
     <p:sldId id="256" r:id="rId2"/>
@@ -18,6 +18,7 @@
     <p:sldId id="266" r:id="rId9"/>
     <p:sldId id="269" r:id="rId10"/>
     <p:sldId id="270" r:id="rId11"/>
+    <p:sldId id="271" r:id="rId12"/>
   </p:sldIdLst>
   <p:sldSz cx="12192000" cy="6858000"/>
   <p:notesSz cx="6858000" cy="9144000"/>
@@ -7106,7 +7107,7 @@
           <a:p>
             <a:fld id="{83A46D45-EE58-46FD-9436-74A4ED578FAF}" type="datetimeFigureOut">
               <a:rPr lang="en-GB" smtClean="0"/>
-              <a:t>24/11/2025</a:t>
+              <a:t>26/11/2025</a:t>
             </a:fld>
             <a:endParaRPr lang="en-GB"/>
           </a:p>
@@ -7833,6 +7834,13 @@
               <a:rPr lang="en-GB" dirty="0"/>
               <a:t>If Subscriber found too many failed hashed message verification -&gt; Quiet mode – does not listen to the broker.</a:t>
             </a:r>
+            <a:br>
+              <a:rPr lang="en-GB" dirty="0"/>
+            </a:br>
+            <a:r>
+              <a:rPr lang="en-GB" dirty="0"/>
+              <a:t>Port Knocking for sniffing !!</a:t>
+            </a:r>
           </a:p>
         </p:txBody>
       </p:sp>
@@ -8139,7 +8147,7 @@
           <a:p>
             <a:fld id="{C128FA71-3A18-48C0-980F-4B68F7F63042}" type="datetime1">
               <a:rPr lang="en-US" smtClean="0"/>
-              <a:t>11/24/2025</a:t>
+              <a:t>11/26/2025</a:t>
             </a:fld>
             <a:endParaRPr lang="en-US"/>
           </a:p>
@@ -8347,7 +8355,7 @@
           <a:p>
             <a:fld id="{7104EDB3-C0E8-45F8-9E1D-1B6C8D1880C0}" type="datetime1">
               <a:rPr lang="en-US" smtClean="0"/>
-              <a:t>11/24/2025</a:t>
+              <a:t>11/26/2025</a:t>
             </a:fld>
             <a:endParaRPr lang="en-US"/>
           </a:p>
@@ -8557,7 +8565,7 @@
           <a:p>
             <a:fld id="{9CF0EC4B-54ED-4041-B552-9BA760FA3DBA}" type="datetime1">
               <a:rPr lang="en-US" smtClean="0"/>
-              <a:t>11/24/2025</a:t>
+              <a:t>11/26/2025</a:t>
             </a:fld>
             <a:endParaRPr lang="en-US"/>
           </a:p>
@@ -8755,7 +8763,7 @@
           <a:p>
             <a:fld id="{51C1210E-201E-4473-82AC-2466F5386C38}" type="datetime1">
               <a:rPr lang="en-US" smtClean="0"/>
-              <a:t>11/24/2025</a:t>
+              <a:t>11/26/2025</a:t>
             </a:fld>
             <a:endParaRPr lang="en-US"/>
           </a:p>
@@ -9033,7 +9041,7 @@
           <a:p>
             <a:fld id="{B01EA198-6CAB-4B8F-B93F-1F9C8C4B6CE7}" type="datetime1">
               <a:rPr lang="en-US" smtClean="0"/>
-              <a:t>11/24/2025</a:t>
+              <a:t>11/26/2025</a:t>
             </a:fld>
             <a:endParaRPr lang="en-US"/>
           </a:p>
@@ -9305,7 +9313,7 @@
           <a:p>
             <a:fld id="{CA06041F-4525-44D5-AA4F-332294BF1F56}" type="datetime1">
               <a:rPr lang="en-US" smtClean="0"/>
-              <a:t>11/24/2025</a:t>
+              <a:t>11/26/2025</a:t>
             </a:fld>
             <a:endParaRPr lang="en-US"/>
           </a:p>
@@ -9729,7 +9737,7 @@
           <a:p>
             <a:fld id="{F9557091-BBDF-4EB9-BA6B-2BB67AC4FC0F}" type="datetime1">
               <a:rPr lang="en-US" smtClean="0"/>
-              <a:t>11/24/2025</a:t>
+              <a:t>11/26/2025</a:t>
             </a:fld>
             <a:endParaRPr lang="en-US"/>
           </a:p>
@@ -9870,7 +9878,7 @@
           <a:p>
             <a:fld id="{2D6B226B-77A6-410C-9796-083F278E0125}" type="datetime1">
               <a:rPr lang="en-US" smtClean="0"/>
-              <a:t>11/24/2025</a:t>
+              <a:t>11/26/2025</a:t>
             </a:fld>
             <a:endParaRPr lang="en-US"/>
           </a:p>
@@ -9983,7 +9991,7 @@
           <a:p>
             <a:fld id="{A23A578B-D289-4C40-8593-3D356C49DA58}" type="datetime1">
               <a:rPr lang="en-US" smtClean="0"/>
-              <a:t>11/24/2025</a:t>
+              <a:t>11/26/2025</a:t>
             </a:fld>
             <a:endParaRPr lang="en-US"/>
           </a:p>
@@ -10302,7 +10310,7 @@
           <a:p>
             <a:fld id="{713DFAE3-14DB-48A7-A80F-80DDB072CE3D}" type="datetime1">
               <a:rPr lang="en-US" smtClean="0"/>
-              <a:t>11/24/2025</a:t>
+              <a:t>11/26/2025</a:t>
             </a:fld>
             <a:endParaRPr lang="en-US"/>
           </a:p>
@@ -10596,7 +10604,7 @@
           <a:p>
             <a:fld id="{92C5EAEF-6478-4102-8F5D-A5FE9FC97ACB}" type="datetime1">
               <a:rPr lang="en-US" smtClean="0"/>
-              <a:t>11/24/2025</a:t>
+              <a:t>11/26/2025</a:t>
             </a:fld>
             <a:endParaRPr lang="en-US"/>
           </a:p>
@@ -10837,7 +10845,7 @@
           <a:p>
             <a:fld id="{67F45AC6-C491-4585-A584-9CE2AF7D5500}" type="datetime1">
               <a:rPr lang="en-US" smtClean="0"/>
-              <a:t>11/24/2025</a:t>
+              <a:t>11/26/2025</a:t>
             </a:fld>
             <a:endParaRPr lang="en-US"/>
           </a:p>
@@ -11949,18 +11957,182 @@
   <p:clrMapOvr>
     <a:masterClrMapping/>
   </p:clrMapOvr>
-  <mc:AlternateContent xmlns:mc="http://schemas.openxmlformats.org/markup-compatibility/2006" xmlns:p159="http://schemas.microsoft.com/office/powerpoint/2015/09/main">
-    <mc:Choice Requires="p159">
-      <p:transition xmlns:p14="http://schemas.microsoft.com/office/powerpoint/2010/main" spd="slow" p14:dur="2000">
-        <p159:morph option="byObject"/>
-      </p:transition>
-    </mc:Choice>
-    <mc:Fallback xmlns="">
-      <p:transition spd="slow">
-        <p:fade/>
-      </p:transition>
-    </mc:Fallback>
-  </mc:AlternateContent>
+</p:sld>
+</file>
+
+<file path=ppt/slides/slide11.xml><?xml version="1.0" encoding="utf-8"?>
+<p:sld xmlns:a="http://schemas.openxmlformats.org/drawingml/2006/main" xmlns:r="http://schemas.openxmlformats.org/officeDocument/2006/relationships" xmlns:p="http://schemas.openxmlformats.org/presentationml/2006/main">
+  <p:cSld>
+    <p:spTree>
+      <p:nvGrpSpPr>
+        <p:cNvPr id="1" name=""/>
+        <p:cNvGrpSpPr/>
+        <p:nvPr/>
+      </p:nvGrpSpPr>
+      <p:grpSpPr>
+        <a:xfrm>
+          <a:off x="0" y="0"/>
+          <a:ext cx="0" cy="0"/>
+          <a:chOff x="0" y="0"/>
+          <a:chExt cx="0" cy="0"/>
+        </a:xfrm>
+      </p:grpSpPr>
+      <p:pic>
+        <p:nvPicPr>
+          <p:cNvPr id="5" name="Image 4">
+            <a:extLst>
+              <a:ext uri="{FF2B5EF4-FFF2-40B4-BE49-F238E27FC236}">
+                <a16:creationId xmlns:a16="http://schemas.microsoft.com/office/drawing/2014/main" id="{0B0B4ED3-8EDF-B6DA-2E1D-B578ACD80FE2}"/>
+              </a:ext>
+            </a:extLst>
+          </p:cNvPr>
+          <p:cNvPicPr>
+            <a:picLocks noChangeAspect="1"/>
+          </p:cNvPicPr>
+          <p:nvPr/>
+        </p:nvPicPr>
+        <p:blipFill>
+          <a:blip r:embed="rId2"/>
+          <a:stretch>
+            <a:fillRect/>
+          </a:stretch>
+        </p:blipFill>
+        <p:spPr>
+          <a:xfrm>
+            <a:off x="1331970" y="1542955"/>
+            <a:ext cx="7781925" cy="5029200"/>
+          </a:xfrm>
+          <a:prstGeom prst="rect">
+            <a:avLst/>
+          </a:prstGeom>
+        </p:spPr>
+      </p:pic>
+      <p:sp>
+        <p:nvSpPr>
+          <p:cNvPr id="6" name="Titre 1">
+            <a:extLst>
+              <a:ext uri="{FF2B5EF4-FFF2-40B4-BE49-F238E27FC236}">
+                <a16:creationId xmlns:a16="http://schemas.microsoft.com/office/drawing/2014/main" id="{C3C14C7F-DC51-EC71-BC90-FA4FBB9FEA16}"/>
+              </a:ext>
+            </a:extLst>
+          </p:cNvPr>
+          <p:cNvSpPr txBox="1">
+            <a:spLocks/>
+          </p:cNvSpPr>
+          <p:nvPr/>
+        </p:nvSpPr>
+        <p:spPr>
+          <a:xfrm>
+            <a:off x="221815" y="175098"/>
+            <a:ext cx="6709185" cy="1051184"/>
+          </a:xfrm>
+          <a:prstGeom prst="rect">
+            <a:avLst/>
+          </a:prstGeom>
+        </p:spPr>
+        <p:txBody>
+          <a:bodyPr vert="horz" lIns="91440" tIns="45720" rIns="91440" bIns="45720" rtlCol="0" anchor="t">
+            <a:normAutofit/>
+          </a:bodyPr>
+          <a:lstStyle>
+            <a:lvl1pPr algn="l" defTabSz="914400" rtl="0" eaLnBrk="1" latinLnBrk="0" hangingPunct="1">
+              <a:lnSpc>
+                <a:spcPct val="90000"/>
+              </a:lnSpc>
+              <a:spcBef>
+                <a:spcPct val="0"/>
+              </a:spcBef>
+              <a:buNone/>
+              <a:defRPr sz="3600" b="1" kern="1200">
+                <a:solidFill>
+                  <a:schemeClr val="tx1"/>
+                </a:solidFill>
+                <a:latin typeface="+mj-lt"/>
+                <a:ea typeface="+mj-ea"/>
+                <a:cs typeface="+mj-cs"/>
+              </a:defRPr>
+            </a:lvl1pPr>
+          </a:lstStyle>
+          <a:p>
+            <a:r>
+              <a:rPr lang="en-GB" sz="2800">
+                <a:solidFill>
+                  <a:schemeClr val="bg1">
+                    <a:lumMod val="50000"/>
+                  </a:schemeClr>
+                </a:solidFill>
+              </a:rPr>
+              <a:t>Mobile and Wireless Network</a:t>
+            </a:r>
+            <a:br>
+              <a:rPr lang="en-GB" sz="2800"/>
+            </a:br>
+            <a:r>
+              <a:rPr lang="en-GB" sz="3200"/>
+              <a:t>ESP32 Project</a:t>
+            </a:r>
+            <a:endParaRPr lang="en-GB" sz="2800" dirty="0"/>
+          </a:p>
+        </p:txBody>
+      </p:sp>
+      <p:sp>
+        <p:nvSpPr>
+          <p:cNvPr id="7" name="ZoneTexte 6">
+            <a:extLst>
+              <a:ext uri="{FF2B5EF4-FFF2-40B4-BE49-F238E27FC236}">
+                <a16:creationId xmlns:a16="http://schemas.microsoft.com/office/drawing/2014/main" id="{6A5AA0BA-30B4-D03B-654A-2902C60A20F1}"/>
+              </a:ext>
+            </a:extLst>
+          </p:cNvPr>
+          <p:cNvSpPr txBox="1"/>
+          <p:nvPr/>
+        </p:nvSpPr>
+        <p:spPr>
+          <a:xfrm>
+            <a:off x="7528205" y="1026227"/>
+            <a:ext cx="1585690" cy="400110"/>
+          </a:xfrm>
+          <a:prstGeom prst="rect">
+            <a:avLst/>
+          </a:prstGeom>
+          <a:solidFill>
+            <a:schemeClr val="accent6">
+              <a:lumMod val="75000"/>
+            </a:schemeClr>
+          </a:solidFill>
+        </p:spPr>
+        <p:txBody>
+          <a:bodyPr wrap="none" rtlCol="0">
+            <a:spAutoFit/>
+          </a:bodyPr>
+          <a:lstStyle/>
+          <a:p>
+            <a:r>
+              <a:rPr lang="en-GB" sz="2000" b="1" dirty="0" err="1">
+                <a:solidFill>
+                  <a:schemeClr val="bg1"/>
+                </a:solidFill>
+              </a:rPr>
+              <a:t>WebServer</a:t>
+            </a:r>
+            <a:endParaRPr lang="en-GB" sz="2400" b="1" dirty="0">
+              <a:solidFill>
+                <a:schemeClr val="bg1"/>
+              </a:solidFill>
+            </a:endParaRPr>
+          </a:p>
+        </p:txBody>
+      </p:sp>
+    </p:spTree>
+    <p:extLst>
+      <p:ext uri="{BB962C8B-B14F-4D97-AF65-F5344CB8AC3E}">
+        <p14:creationId xmlns:p14="http://schemas.microsoft.com/office/powerpoint/2010/main" val="2146007202"/>
+      </p:ext>
+    </p:extLst>
+  </p:cSld>
+  <p:clrMapOvr>
+    <a:masterClrMapping/>
+  </p:clrMapOvr>
 </p:sld>
 </file>
 
@@ -21334,7 +21506,19 @@
                 <a:rPr lang="en-GB" sz="2400" dirty="0">
                   <a:latin typeface="Agency FB" panose="020B0503020202020204" pitchFamily="34" charset="0"/>
                 </a:rPr>
-                <a:t>Sign = Hashed [Payload, Key]</a:t>
+                <a:t>Sign = </a:t>
+              </a:r>
+              <a:r>
+                <a:rPr lang="en-GB" sz="2400">
+                  <a:latin typeface="Agency FB" panose="020B0503020202020204" pitchFamily="34" charset="0"/>
+                </a:rPr>
+                <a:t>Hashed [Mess, </a:t>
+              </a:r>
+              <a:r>
+                <a:rPr lang="en-GB" sz="2400" dirty="0">
+                  <a:latin typeface="Agency FB" panose="020B0503020202020204" pitchFamily="34" charset="0"/>
+                </a:rPr>
+                <a:t>Key]</a:t>
               </a:r>
             </a:p>
           </p:txBody>
@@ -22183,6 +22367,46 @@
           </a:p>
         </p:txBody>
       </p:sp>
+      <p:sp>
+        <p:nvSpPr>
+          <p:cNvPr id="7" name="ZoneTexte 6">
+            <a:extLst>
+              <a:ext uri="{FF2B5EF4-FFF2-40B4-BE49-F238E27FC236}">
+                <a16:creationId xmlns:a16="http://schemas.microsoft.com/office/drawing/2014/main" id="{2046B77D-8520-B54A-D6DB-67CBB9165F5A}"/>
+              </a:ext>
+            </a:extLst>
+          </p:cNvPr>
+          <p:cNvSpPr txBox="1"/>
+          <p:nvPr/>
+        </p:nvSpPr>
+        <p:spPr>
+          <a:xfrm>
+            <a:off x="4990444" y="2235007"/>
+            <a:ext cx="1584088" cy="369332"/>
+          </a:xfrm>
+          <a:prstGeom prst="rect">
+            <a:avLst/>
+          </a:prstGeom>
+          <a:noFill/>
+        </p:spPr>
+        <p:txBody>
+          <a:bodyPr wrap="none" rtlCol="0">
+            <a:spAutoFit/>
+          </a:bodyPr>
+          <a:lstStyle/>
+          <a:p>
+            <a:r>
+              <a:rPr lang="en-GB" b="1" dirty="0">
+                <a:solidFill>
+                  <a:srgbClr val="7030A0"/>
+                </a:solidFill>
+                <a:latin typeface="Agency FB" panose="020B0503020202020204" pitchFamily="34" charset="0"/>
+              </a:rPr>
+              <a:t>PORT KNOCKING ?</a:t>
+            </a:r>
+          </a:p>
+        </p:txBody>
+      </p:sp>
     </p:spTree>
     <p:extLst>
       <p:ext uri="{BB962C8B-B14F-4D97-AF65-F5344CB8AC3E}">
@@ -22973,6 +23197,33 @@
                                   </p:childTnLst>
                                 </p:cTn>
                               </p:par>
+                              <p:par>
+                                <p:cTn id="73" presetID="1" presetClass="entr" presetSubtype="0" fill="hold" grpId="0" nodeType="withEffect">
+                                  <p:stCondLst>
+                                    <p:cond delay="0"/>
+                                  </p:stCondLst>
+                                  <p:childTnLst>
+                                    <p:set>
+                                      <p:cBhvr>
+                                        <p:cTn id="74" dur="1" fill="hold">
+                                          <p:stCondLst>
+                                            <p:cond delay="0"/>
+                                          </p:stCondLst>
+                                        </p:cTn>
+                                        <p:tgtEl>
+                                          <p:spTgt spid="7"/>
+                                        </p:tgtEl>
+                                        <p:attrNameLst>
+                                          <p:attrName>style.visibility</p:attrName>
+                                        </p:attrNameLst>
+                                      </p:cBhvr>
+                                      <p:to>
+                                        <p:strVal val="visible"/>
+                                      </p:to>
+                                    </p:set>
+                                  </p:childTnLst>
+                                </p:cTn>
+                              </p:par>
                             </p:childTnLst>
                           </p:cTn>
                         </p:par>
@@ -23011,6 +23262,7 @@
       <p:bldP spid="9" grpId="0"/>
       <p:bldP spid="13" grpId="0" animBg="1"/>
       <p:bldP spid="20" grpId="0"/>
+      <p:bldP spid="7" grpId="0"/>
     </p:bldLst>
   </p:timing>
 </p:sld>
